--- a/クリエイティブ/Editing/FORMAT.pptx
+++ b/クリエイティブ/Editing/FORMAT.pptx
@@ -197,7 +197,7 @@
           <a:p>
             <a:fld id="{8DEB1EEA-4EA5-4945-A159-92056D1B3D2A}" type="datetimeFigureOut">
               <a:rPr kumimoji="1" lang="ja-JP" altLang="en-US" smtClean="0"/>
-              <a:t>2017/12/8</a:t>
+              <a:t>2017/12/14</a:t>
             </a:fld>
             <a:endParaRPr kumimoji="1" lang="ja-JP" altLang="en-US"/>
           </a:p>
@@ -628,7 +628,7 @@
           <a:p>
             <a:fld id="{CB5ACFD0-2B53-434B-955D-7560FE0C045B}" type="datetimeFigureOut">
               <a:rPr kumimoji="1" lang="ja-JP" altLang="en-US" smtClean="0"/>
-              <a:t>2017/12/8</a:t>
+              <a:t>2017/12/14</a:t>
             </a:fld>
             <a:endParaRPr kumimoji="1" lang="ja-JP" altLang="en-US"/>
           </a:p>
@@ -830,7 +830,7 @@
           <a:p>
             <a:fld id="{CB5ACFD0-2B53-434B-955D-7560FE0C045B}" type="datetimeFigureOut">
               <a:rPr kumimoji="1" lang="ja-JP" altLang="en-US" smtClean="0"/>
-              <a:t>2017/12/8</a:t>
+              <a:t>2017/12/14</a:t>
             </a:fld>
             <a:endParaRPr kumimoji="1" lang="ja-JP" altLang="en-US"/>
           </a:p>
@@ -1042,7 +1042,7 @@
           <a:p>
             <a:fld id="{CB5ACFD0-2B53-434B-955D-7560FE0C045B}" type="datetimeFigureOut">
               <a:rPr kumimoji="1" lang="ja-JP" altLang="en-US" smtClean="0"/>
-              <a:t>2017/12/8</a:t>
+              <a:t>2017/12/14</a:t>
             </a:fld>
             <a:endParaRPr kumimoji="1" lang="ja-JP" altLang="en-US"/>
           </a:p>
@@ -1244,7 +1244,7 @@
           <a:p>
             <a:fld id="{CB5ACFD0-2B53-434B-955D-7560FE0C045B}" type="datetimeFigureOut">
               <a:rPr kumimoji="1" lang="ja-JP" altLang="en-US" smtClean="0"/>
-              <a:t>2017/12/8</a:t>
+              <a:t>2017/12/14</a:t>
             </a:fld>
             <a:endParaRPr kumimoji="1" lang="ja-JP" altLang="en-US"/>
           </a:p>
@@ -1490,7 +1490,7 @@
           <a:p>
             <a:fld id="{CB5ACFD0-2B53-434B-955D-7560FE0C045B}" type="datetimeFigureOut">
               <a:rPr kumimoji="1" lang="ja-JP" altLang="en-US" smtClean="0"/>
-              <a:t>2017/12/8</a:t>
+              <a:t>2017/12/14</a:t>
             </a:fld>
             <a:endParaRPr kumimoji="1" lang="ja-JP" altLang="en-US"/>
           </a:p>
@@ -1786,7 +1786,7 @@
           <a:p>
             <a:fld id="{CB5ACFD0-2B53-434B-955D-7560FE0C045B}" type="datetimeFigureOut">
               <a:rPr kumimoji="1" lang="ja-JP" altLang="en-US" smtClean="0"/>
-              <a:t>2017/12/8</a:t>
+              <a:t>2017/12/14</a:t>
             </a:fld>
             <a:endParaRPr kumimoji="1" lang="ja-JP" altLang="en-US"/>
           </a:p>
@@ -2217,7 +2217,7 @@
           <a:p>
             <a:fld id="{CB5ACFD0-2B53-434B-955D-7560FE0C045B}" type="datetimeFigureOut">
               <a:rPr kumimoji="1" lang="ja-JP" altLang="en-US" smtClean="0"/>
-              <a:t>2017/12/8</a:t>
+              <a:t>2017/12/14</a:t>
             </a:fld>
             <a:endParaRPr kumimoji="1" lang="ja-JP" altLang="en-US"/>
           </a:p>
@@ -2335,7 +2335,7 @@
           <a:p>
             <a:fld id="{CB5ACFD0-2B53-434B-955D-7560FE0C045B}" type="datetimeFigureOut">
               <a:rPr kumimoji="1" lang="ja-JP" altLang="en-US" smtClean="0"/>
-              <a:t>2017/12/8</a:t>
+              <a:t>2017/12/14</a:t>
             </a:fld>
             <a:endParaRPr kumimoji="1" lang="ja-JP" altLang="en-US"/>
           </a:p>
@@ -2430,7 +2430,7 @@
           <a:p>
             <a:fld id="{CB5ACFD0-2B53-434B-955D-7560FE0C045B}" type="datetimeFigureOut">
               <a:rPr kumimoji="1" lang="ja-JP" altLang="en-US" smtClean="0"/>
-              <a:t>2017/12/8</a:t>
+              <a:t>2017/12/14</a:t>
             </a:fld>
             <a:endParaRPr kumimoji="1" lang="ja-JP" altLang="en-US"/>
           </a:p>
@@ -2739,7 +2739,7 @@
           <a:p>
             <a:fld id="{CB5ACFD0-2B53-434B-955D-7560FE0C045B}" type="datetimeFigureOut">
               <a:rPr kumimoji="1" lang="ja-JP" altLang="en-US" smtClean="0"/>
-              <a:t>2017/12/8</a:t>
+              <a:t>2017/12/14</a:t>
             </a:fld>
             <a:endParaRPr kumimoji="1" lang="ja-JP" altLang="en-US"/>
           </a:p>
@@ -2992,7 +2992,7 @@
           <a:p>
             <a:fld id="{CB5ACFD0-2B53-434B-955D-7560FE0C045B}" type="datetimeFigureOut">
               <a:rPr kumimoji="1" lang="ja-JP" altLang="en-US" smtClean="0"/>
-              <a:t>2017/12/8</a:t>
+              <a:t>2017/12/14</a:t>
             </a:fld>
             <a:endParaRPr kumimoji="1" lang="ja-JP" altLang="en-US"/>
           </a:p>
@@ -3237,7 +3237,7 @@
           <a:p>
             <a:fld id="{CB5ACFD0-2B53-434B-955D-7560FE0C045B}" type="datetimeFigureOut">
               <a:rPr kumimoji="1" lang="ja-JP" altLang="en-US" smtClean="0"/>
-              <a:t>2017/12/8</a:t>
+              <a:t>2017/12/14</a:t>
             </a:fld>
             <a:endParaRPr kumimoji="1" lang="ja-JP" altLang="en-US"/>
           </a:p>
@@ -3651,7 +3651,7 @@
           <p:nvPr>
             <p:extLst>
               <p:ext uri="{D42A27DB-BD31-4B8C-83A1-F6EECF244321}">
-                <p14:modId xmlns:p14="http://schemas.microsoft.com/office/powerpoint/2010/main" val="631699785"/>
+                <p14:modId xmlns:p14="http://schemas.microsoft.com/office/powerpoint/2010/main" val="120972472"/>
               </p:ext>
             </p:extLst>
           </p:nvPr>
@@ -3681,6 +3681,9 @@
                           <a:solidFill>
                             <a:sysClr val="windowText" lastClr="000000"/>
                           </a:solidFill>
+                          <a:latin typeface="HGMaruGothicMPRO" charset="-128"/>
+                          <a:ea typeface="HGMaruGothicMPRO" charset="-128"/>
+                          <a:cs typeface="HGMaruGothicMPRO" charset="-128"/>
                         </a:rPr>
                         <a:t>クライアント</a:t>
                       </a:r>
@@ -3688,6 +3691,9 @@
                         <a:solidFill>
                           <a:sysClr val="windowText" lastClr="000000"/>
                         </a:solidFill>
+                        <a:latin typeface="HGMaruGothicMPRO" charset="-128"/>
+                        <a:ea typeface="HGMaruGothicMPRO" charset="-128"/>
+                        <a:cs typeface="HGMaruGothicMPRO" charset="-128"/>
                       </a:endParaRPr>
                     </a:p>
                   </a:txBody>
@@ -3753,6 +3759,9 @@
                         <a:solidFill>
                           <a:sysClr val="windowText" lastClr="000000"/>
                         </a:solidFill>
+                        <a:latin typeface="HGMaruGothicMPRO" charset="-128"/>
+                        <a:ea typeface="HGMaruGothicMPRO" charset="-128"/>
+                        <a:cs typeface="HGMaruGothicMPRO" charset="-128"/>
                       </a:endParaRPr>
                     </a:p>
                   </a:txBody>
@@ -3818,6 +3827,9 @@
                           <a:solidFill>
                             <a:sysClr val="windowText" lastClr="000000"/>
                           </a:solidFill>
+                          <a:latin typeface="HGMaruGothicMPRO" charset="-128"/>
+                          <a:ea typeface="HGMaruGothicMPRO" charset="-128"/>
+                          <a:cs typeface="HGMaruGothicMPRO" charset="-128"/>
                         </a:rPr>
                         <a:t>企画名</a:t>
                       </a:r>
@@ -3825,6 +3837,9 @@
                         <a:solidFill>
                           <a:sysClr val="windowText" lastClr="000000"/>
                         </a:solidFill>
+                        <a:latin typeface="HGMaruGothicMPRO" charset="-128"/>
+                        <a:ea typeface="HGMaruGothicMPRO" charset="-128"/>
+                        <a:cs typeface="HGMaruGothicMPRO" charset="-128"/>
                       </a:endParaRPr>
                     </a:p>
                   </a:txBody>
@@ -3890,6 +3905,9 @@
                         <a:solidFill>
                           <a:sysClr val="windowText" lastClr="000000"/>
                         </a:solidFill>
+                        <a:latin typeface="HGMaruGothicMPRO" charset="-128"/>
+                        <a:ea typeface="HGMaruGothicMPRO" charset="-128"/>
+                        <a:cs typeface="HGMaruGothicMPRO" charset="-128"/>
                       </a:endParaRPr>
                     </a:p>
                   </a:txBody>
@@ -3957,7 +3975,7 @@
           <p:nvPr>
             <p:extLst>
               <p:ext uri="{D42A27DB-BD31-4B8C-83A1-F6EECF244321}">
-                <p14:modId xmlns:p14="http://schemas.microsoft.com/office/powerpoint/2010/main" val="316758552"/>
+                <p14:modId xmlns:p14="http://schemas.microsoft.com/office/powerpoint/2010/main" val="1664806842"/>
               </p:ext>
             </p:extLst>
           </p:nvPr>
@@ -3992,7 +4010,9 @@
                           <a:solidFill>
                             <a:schemeClr val="tx1"/>
                           </a:solidFill>
-                          <a:latin typeface="+mn-lt"/>
+                          <a:latin typeface="HGMaruGothicMPRO" charset="-128"/>
+                          <a:ea typeface="HGMaruGothicMPRO" charset="-128"/>
+                          <a:cs typeface="HGMaruGothicMPRO" charset="-128"/>
                         </a:rPr>
                         <a:t>レイアウト</a:t>
                       </a:r>
@@ -4005,7 +4025,9 @@
                         <a:solidFill>
                           <a:schemeClr val="tx1"/>
                         </a:solidFill>
-                        <a:latin typeface="+mn-lt"/>
+                        <a:latin typeface="HGMaruGothicMPRO" charset="-128"/>
+                        <a:ea typeface="HGMaruGothicMPRO" charset="-128"/>
+                        <a:cs typeface="HGMaruGothicMPRO" charset="-128"/>
                       </a:endParaRPr>
                     </a:p>
                   </a:txBody>
@@ -4064,9 +4086,9 @@
                           <a:schemeClr val="tx1"/>
                         </a:solidFill>
                         <a:effectLst/>
-                        <a:latin typeface="+mj-ea"/>
-                        <a:ea typeface="+mn-ea"/>
-                        <a:cs typeface="+mn-cs"/>
+                        <a:latin typeface="HGMaruGothicMPRO" charset="-128"/>
+                        <a:ea typeface="HGMaruGothicMPRO" charset="-128"/>
+                        <a:cs typeface="HGMaruGothicMPRO" charset="-128"/>
                       </a:endParaRPr>
                     </a:p>
                   </a:txBody>
@@ -4129,7 +4151,9 @@
                           <a:solidFill>
                             <a:schemeClr val="tx1"/>
                           </a:solidFill>
-                          <a:latin typeface="+mn-lt"/>
+                          <a:latin typeface="HGMaruGothicMPRO" charset="-128"/>
+                          <a:ea typeface="HGMaruGothicMPRO" charset="-128"/>
+                          <a:cs typeface="HGMaruGothicMPRO" charset="-128"/>
                         </a:rPr>
                         <a:t>トーン</a:t>
                       </a:r>
@@ -4142,7 +4166,9 @@
                         <a:solidFill>
                           <a:schemeClr val="tx1"/>
                         </a:solidFill>
-                        <a:latin typeface="+mn-lt"/>
+                        <a:latin typeface="HGMaruGothicMPRO" charset="-128"/>
+                        <a:ea typeface="HGMaruGothicMPRO" charset="-128"/>
+                        <a:cs typeface="HGMaruGothicMPRO" charset="-128"/>
                       </a:endParaRPr>
                     </a:p>
                   </a:txBody>
@@ -4215,8 +4241,9 @@
                       </a:pPr>
                       <a:endParaRPr lang="en-US" altLang="ja-JP" sz="1800" b="0" dirty="0" smtClean="0">
                         <a:effectLst/>
-                        <a:latin typeface="+mj-ea"/>
-                        <a:ea typeface="+mj-ea"/>
+                        <a:latin typeface="HGMaruGothicMPRO" charset="-128"/>
+                        <a:ea typeface="HGMaruGothicMPRO" charset="-128"/>
+                        <a:cs typeface="HGMaruGothicMPRO" charset="-128"/>
                       </a:endParaRPr>
                     </a:p>
                   </a:txBody>
@@ -4279,7 +4306,9 @@
                           <a:solidFill>
                             <a:schemeClr val="tx1"/>
                           </a:solidFill>
-                          <a:latin typeface="+mn-lt"/>
+                          <a:latin typeface="HGMaruGothicMPRO" charset="-128"/>
+                          <a:ea typeface="HGMaruGothicMPRO" charset="-128"/>
+                          <a:cs typeface="HGMaruGothicMPRO" charset="-128"/>
                         </a:rPr>
                         <a:t>タイトル</a:t>
                       </a:r>
@@ -4292,7 +4321,9 @@
                         <a:solidFill>
                           <a:schemeClr val="tx1"/>
                         </a:solidFill>
-                        <a:latin typeface="+mn-lt"/>
+                        <a:latin typeface="HGMaruGothicMPRO" charset="-128"/>
+                        <a:ea typeface="HGMaruGothicMPRO" charset="-128"/>
+                        <a:cs typeface="HGMaruGothicMPRO" charset="-128"/>
                       </a:endParaRPr>
                     </a:p>
                   </a:txBody>
@@ -4348,8 +4379,9 @@
                     <a:p>
                       <a:endParaRPr lang="en-US" altLang="ja-JP" sz="1800" b="0" dirty="0" smtClean="0">
                         <a:effectLst/>
-                        <a:latin typeface="+mj-ea"/>
-                        <a:ea typeface="+mj-ea"/>
+                        <a:latin typeface="HGMaruGothicMPRO" charset="-128"/>
+                        <a:ea typeface="HGMaruGothicMPRO" charset="-128"/>
+                        <a:cs typeface="HGMaruGothicMPRO" charset="-128"/>
                       </a:endParaRPr>
                     </a:p>
                   </a:txBody>
